--- a/Work_Process_Question_maker.pptx
+++ b/Work_Process_Question_maker.pptx
@@ -5,7 +5,7 @@
     <p:sldMasterId id="2147483648" r:id="rId1"/>
   </p:sldMasterIdLst>
   <p:notesMasterIdLst>
-    <p:notesMasterId r:id="rId8"/>
+    <p:notesMasterId r:id="rId12"/>
   </p:notesMasterIdLst>
   <p:sldIdLst>
     <p:sldId id="256" r:id="rId2"/>
@@ -13,7 +13,11 @@
     <p:sldId id="259" r:id="rId4"/>
     <p:sldId id="260" r:id="rId5"/>
     <p:sldId id="261" r:id="rId6"/>
-    <p:sldId id="258" r:id="rId7"/>
+    <p:sldId id="262" r:id="rId7"/>
+    <p:sldId id="263" r:id="rId8"/>
+    <p:sldId id="264" r:id="rId9"/>
+    <p:sldId id="265" r:id="rId10"/>
+    <p:sldId id="258" r:id="rId11"/>
   </p:sldIdLst>
   <p:sldSz cx="12192000" cy="6858000"/>
   <p:notesSz cx="6858000" cy="9144000"/>
@@ -202,7 +206,7 @@
           <a:p>
             <a:fld id="{69908387-5309-4658-9E9C-35594F02E2C4}" type="datetimeFigureOut">
               <a:rPr lang="en-IN" smtClean="0"/>
-              <a:t>09-05-2025</a:t>
+              <a:t>10-05-2025</a:t>
             </a:fld>
             <a:endParaRPr lang="en-IN"/>
           </a:p>
@@ -557,7 +561,7 @@
           <a:p>
             <a:fld id="{488B7367-E765-449F-AD81-833B7CCBA0D3}" type="datetime1">
               <a:rPr lang="en-IN" smtClean="0"/>
-              <a:t>09-05-2025</a:t>
+              <a:t>10-05-2025</a:t>
             </a:fld>
             <a:endParaRPr lang="en-IN"/>
           </a:p>
@@ -853,7 +857,7 @@
           <a:p>
             <a:fld id="{3297AE75-E625-42DE-9DA8-4AEE0E7A1CD4}" type="datetime1">
               <a:rPr lang="en-IN" smtClean="0"/>
-              <a:t>09-05-2025</a:t>
+              <a:t>10-05-2025</a:t>
             </a:fld>
             <a:endParaRPr lang="en-IN"/>
           </a:p>
@@ -1059,7 +1063,7 @@
           <a:p>
             <a:fld id="{2990F728-C036-40BC-A063-EDF08EEBA694}" type="datetime1">
               <a:rPr lang="en-IN" smtClean="0"/>
-              <a:t>09-05-2025</a:t>
+              <a:t>10-05-2025</a:t>
             </a:fld>
             <a:endParaRPr lang="en-IN"/>
           </a:p>
@@ -1466,7 +1470,7 @@
           <a:p>
             <a:fld id="{59DD5CDE-8ECE-4804-9E0F-BEF4EE5A2D9C}" type="datetime1">
               <a:rPr lang="en-IN" smtClean="0"/>
-              <a:t>09-05-2025</a:t>
+              <a:t>10-05-2025</a:t>
             </a:fld>
             <a:endParaRPr lang="en-IN"/>
           </a:p>
@@ -1961,6 +1965,213 @@
 </p:sld>
 </file>
 
+<file path=ppt/slides/slide10.xml><?xml version="1.0" encoding="utf-8"?>
+<p:sld xmlns:a="http://schemas.openxmlformats.org/drawingml/2006/main" xmlns:r="http://schemas.openxmlformats.org/officeDocument/2006/relationships" xmlns:p="http://schemas.openxmlformats.org/presentationml/2006/main">
+  <p:cSld>
+    <p:spTree>
+      <p:nvGrpSpPr>
+        <p:cNvPr id="1" name=""/>
+        <p:cNvGrpSpPr/>
+        <p:nvPr/>
+      </p:nvGrpSpPr>
+      <p:grpSpPr>
+        <a:xfrm>
+          <a:off x="0" y="0"/>
+          <a:ext cx="0" cy="0"/>
+          <a:chOff x="0" y="0"/>
+          <a:chExt cx="0" cy="0"/>
+        </a:xfrm>
+      </p:grpSpPr>
+      <p:sp>
+        <p:nvSpPr>
+          <p:cNvPr id="2" name="Title 1">
+            <a:extLst>
+              <a:ext uri="{FF2B5EF4-FFF2-40B4-BE49-F238E27FC236}">
+                <a16:creationId xmlns:a16="http://schemas.microsoft.com/office/drawing/2014/main" id="{1AD58CBB-ED6E-09F0-157C-FBDD68672AE2}"/>
+              </a:ext>
+            </a:extLst>
+          </p:cNvPr>
+          <p:cNvSpPr>
+            <a:spLocks noGrp="1"/>
+          </p:cNvSpPr>
+          <p:nvPr>
+            <p:ph type="title"/>
+          </p:nvPr>
+        </p:nvSpPr>
+        <p:spPr/>
+        <p:txBody>
+          <a:bodyPr>
+            <a:normAutofit fontScale="90000"/>
+          </a:bodyPr>
+          <a:lstStyle/>
+          <a:p>
+            <a:endParaRPr lang="en-IN" dirty="0"/>
+          </a:p>
+        </p:txBody>
+      </p:sp>
+      <p:sp>
+        <p:nvSpPr>
+          <p:cNvPr id="3" name="Content Placeholder 2">
+            <a:extLst>
+              <a:ext uri="{FF2B5EF4-FFF2-40B4-BE49-F238E27FC236}">
+                <a16:creationId xmlns:a16="http://schemas.microsoft.com/office/drawing/2014/main" id="{A73CB4CC-8B97-3D3B-BBBC-99A24D3B7C4A}"/>
+              </a:ext>
+            </a:extLst>
+          </p:cNvPr>
+          <p:cNvSpPr>
+            <a:spLocks noGrp="1"/>
+          </p:cNvSpPr>
+          <p:nvPr>
+            <p:ph idx="4294967295"/>
+          </p:nvPr>
+        </p:nvSpPr>
+        <p:spPr>
+          <a:xfrm>
+            <a:off x="168676" y="1003178"/>
+            <a:ext cx="5797118" cy="5513032"/>
+          </a:xfrm>
+          <a:prstGeom prst="rect">
+            <a:avLst/>
+          </a:prstGeom>
+        </p:spPr>
+        <p:txBody>
+          <a:bodyPr/>
+          <a:lstStyle/>
+          <a:p>
+            <a:endParaRPr lang="en-IN" dirty="0"/>
+          </a:p>
+        </p:txBody>
+      </p:sp>
+      <p:sp>
+        <p:nvSpPr>
+          <p:cNvPr id="4" name="Content Placeholder 3">
+            <a:extLst>
+              <a:ext uri="{FF2B5EF4-FFF2-40B4-BE49-F238E27FC236}">
+                <a16:creationId xmlns:a16="http://schemas.microsoft.com/office/drawing/2014/main" id="{B97710C8-D140-D85F-2714-A3FC69E9C940}"/>
+              </a:ext>
+            </a:extLst>
+          </p:cNvPr>
+          <p:cNvSpPr>
+            <a:spLocks noGrp="1"/>
+          </p:cNvSpPr>
+          <p:nvPr>
+            <p:ph idx="4294967295"/>
+          </p:nvPr>
+        </p:nvSpPr>
+        <p:spPr>
+          <a:xfrm>
+            <a:off x="6205492" y="979843"/>
+            <a:ext cx="5797118" cy="5513032"/>
+          </a:xfrm>
+          <a:prstGeom prst="rect">
+            <a:avLst/>
+          </a:prstGeom>
+        </p:spPr>
+        <p:txBody>
+          <a:bodyPr/>
+          <a:lstStyle/>
+          <a:p>
+            <a:endParaRPr lang="en-IN"/>
+          </a:p>
+        </p:txBody>
+      </p:sp>
+      <p:sp>
+        <p:nvSpPr>
+          <p:cNvPr id="5" name="Date Placeholder 4">
+            <a:extLst>
+              <a:ext uri="{FF2B5EF4-FFF2-40B4-BE49-F238E27FC236}">
+                <a16:creationId xmlns:a16="http://schemas.microsoft.com/office/drawing/2014/main" id="{8DD66996-B23B-1BBA-BC1E-3CB37721E158}"/>
+              </a:ext>
+            </a:extLst>
+          </p:cNvPr>
+          <p:cNvSpPr>
+            <a:spLocks noGrp="1"/>
+          </p:cNvSpPr>
+          <p:nvPr>
+            <p:ph type="dt" sz="half" idx="10"/>
+          </p:nvPr>
+        </p:nvSpPr>
+        <p:spPr/>
+        <p:txBody>
+          <a:bodyPr/>
+          <a:lstStyle/>
+          <a:p>
+            <a:fld id="{3F55987F-C000-48D9-BC41-479E5A744022}" type="datetime1">
+              <a:rPr lang="en-IN" smtClean="0"/>
+              <a:t>10-05-2025</a:t>
+            </a:fld>
+            <a:endParaRPr lang="en-IN"/>
+          </a:p>
+        </p:txBody>
+      </p:sp>
+      <p:sp>
+        <p:nvSpPr>
+          <p:cNvPr id="6" name="Footer Placeholder 5">
+            <a:extLst>
+              <a:ext uri="{FF2B5EF4-FFF2-40B4-BE49-F238E27FC236}">
+                <a16:creationId xmlns:a16="http://schemas.microsoft.com/office/drawing/2014/main" id="{580A92CC-E2C6-A9C9-F8B6-6B0F940A1B0B}"/>
+              </a:ext>
+            </a:extLst>
+          </p:cNvPr>
+          <p:cNvSpPr>
+            <a:spLocks noGrp="1"/>
+          </p:cNvSpPr>
+          <p:nvPr>
+            <p:ph type="ftr" sz="quarter" idx="11"/>
+          </p:nvPr>
+        </p:nvSpPr>
+        <p:spPr/>
+        <p:txBody>
+          <a:bodyPr/>
+          <a:lstStyle/>
+          <a:p>
+            <a:endParaRPr lang="en-IN" dirty="0"/>
+          </a:p>
+        </p:txBody>
+      </p:sp>
+      <p:sp>
+        <p:nvSpPr>
+          <p:cNvPr id="7" name="Slide Number Placeholder 6">
+            <a:extLst>
+              <a:ext uri="{FF2B5EF4-FFF2-40B4-BE49-F238E27FC236}">
+                <a16:creationId xmlns:a16="http://schemas.microsoft.com/office/drawing/2014/main" id="{C2FF9FEF-831D-4770-D94D-70B598D35D90}"/>
+              </a:ext>
+            </a:extLst>
+          </p:cNvPr>
+          <p:cNvSpPr>
+            <a:spLocks noGrp="1"/>
+          </p:cNvSpPr>
+          <p:nvPr>
+            <p:ph type="sldNum" sz="quarter" idx="12"/>
+          </p:nvPr>
+        </p:nvSpPr>
+        <p:spPr/>
+        <p:txBody>
+          <a:bodyPr/>
+          <a:lstStyle/>
+          <a:p>
+            <a:fld id="{13A461B8-F6BF-454F-A8F0-4D542954770C}" type="slidenum">
+              <a:rPr lang="en-IN" smtClean="0"/>
+              <a:pPr/>
+              <a:t>10</a:t>
+            </a:fld>
+            <a:endParaRPr lang="en-IN"/>
+          </a:p>
+        </p:txBody>
+      </p:sp>
+    </p:spTree>
+    <p:extLst>
+      <p:ext uri="{BB962C8B-B14F-4D97-AF65-F5344CB8AC3E}">
+        <p14:creationId xmlns:p14="http://schemas.microsoft.com/office/powerpoint/2010/main" val="3468016954"/>
+      </p:ext>
+    </p:extLst>
+  </p:cSld>
+  <p:clrMapOvr>
+    <a:masterClrMapping/>
+  </p:clrMapOvr>
+</p:sld>
+</file>
+
 <file path=ppt/slides/slide2.xml><?xml version="1.0" encoding="utf-8"?>
 <p:sld xmlns:a="http://schemas.openxmlformats.org/drawingml/2006/main" xmlns:r="http://schemas.openxmlformats.org/officeDocument/2006/relationships" xmlns:p="http://schemas.openxmlformats.org/presentationml/2006/main">
   <p:cSld>
@@ -2093,7 +2304,7 @@
           <a:p>
             <a:fld id="{1DF8C32B-2C48-429A-9902-0526480A8100}" type="datetime1">
               <a:rPr lang="en-IN" smtClean="0"/>
-              <a:t>09-05-2025</a:t>
+              <a:t>10-05-2025</a:t>
             </a:fld>
             <a:endParaRPr lang="en-IN"/>
           </a:p>
@@ -2261,7 +2472,7 @@
           <a:p>
             <a:fld id="{3297AE75-E625-42DE-9DA8-4AEE0E7A1CD4}" type="datetime1">
               <a:rPr lang="en-IN" smtClean="0"/>
-              <a:t>09-05-2025</a:t>
+              <a:t>10-05-2025</a:t>
             </a:fld>
             <a:endParaRPr lang="en-IN"/>
           </a:p>
@@ -2495,7 +2706,7 @@
           <a:p>
             <a:fld id="{3297AE75-E625-42DE-9DA8-4AEE0E7A1CD4}" type="datetime1">
               <a:rPr lang="en-IN" smtClean="0"/>
-              <a:t>09-05-2025</a:t>
+              <a:t>10-05-2025</a:t>
             </a:fld>
             <a:endParaRPr lang="en-IN"/>
           </a:p>
@@ -2632,7 +2843,41 @@
           <a:bodyPr/>
           <a:lstStyle/>
           <a:p>
-            <a:endParaRPr lang="en-IN"/>
+            <a:r>
+              <a:rPr lang="en-IN" dirty="0"/>
+              <a:t>Should always say to modify installation and file both.</a:t>
+            </a:r>
+          </a:p>
+          <a:p>
+            <a:r>
+              <a:rPr lang="en-IN" dirty="0"/>
+              <a:t>And also should say to check stable versions</a:t>
+            </a:r>
+          </a:p>
+          <a:p>
+            <a:r>
+              <a:rPr lang="en-IN" dirty="0"/>
+              <a:t>If something is giving V issue can download manual</a:t>
+            </a:r>
+          </a:p>
+          <a:p>
+            <a:r>
+              <a:rPr lang="en-IN" dirty="0" err="1"/>
+              <a:t>Shoul;d</a:t>
+            </a:r>
+            <a:r>
+              <a:rPr lang="en-IN" dirty="0"/>
+              <a:t> always check compatibility carefully</a:t>
+            </a:r>
+          </a:p>
+          <a:p>
+            <a:r>
+              <a:rPr lang="en-IN" dirty="0"/>
+              <a:t>Time taking and error prone</a:t>
+            </a:r>
+          </a:p>
+          <a:p>
+            <a:endParaRPr lang="en-IN" dirty="0"/>
           </a:p>
         </p:txBody>
       </p:sp>
@@ -2659,7 +2904,7 @@
           <a:p>
             <a:fld id="{3297AE75-E625-42DE-9DA8-4AEE0E7A1CD4}" type="datetime1">
               <a:rPr lang="en-IN" smtClean="0"/>
-              <a:t>09-05-2025</a:t>
+              <a:t>10-05-2025</a:t>
             </a:fld>
             <a:endParaRPr lang="en-IN"/>
           </a:p>
@@ -2755,7 +3000,7 @@
           <p:cNvPr id="2" name="Title 1">
             <a:extLst>
               <a:ext uri="{FF2B5EF4-FFF2-40B4-BE49-F238E27FC236}">
-                <a16:creationId xmlns:a16="http://schemas.microsoft.com/office/drawing/2014/main" id="{1AD58CBB-ED6E-09F0-157C-FBDD68672AE2}"/>
+                <a16:creationId xmlns:a16="http://schemas.microsoft.com/office/drawing/2014/main" id="{ED7EE06E-9865-AE6A-69E1-4D79143881EF}"/>
               </a:ext>
             </a:extLst>
           </p:cNvPr>
@@ -2768,10 +3013,47 @@
         </p:nvSpPr>
         <p:spPr/>
         <p:txBody>
-          <a:bodyPr>
-            <a:normAutofit fontScale="90000"/>
-          </a:bodyPr>
-          <a:lstStyle/>
+          <a:bodyPr/>
+          <a:lstStyle/>
+          <a:p>
+            <a:endParaRPr lang="en-IN"/>
+          </a:p>
+        </p:txBody>
+      </p:sp>
+      <p:sp>
+        <p:nvSpPr>
+          <p:cNvPr id="3" name="Content Placeholder 2">
+            <a:extLst>
+              <a:ext uri="{FF2B5EF4-FFF2-40B4-BE49-F238E27FC236}">
+                <a16:creationId xmlns:a16="http://schemas.microsoft.com/office/drawing/2014/main" id="{24AEE367-F3F1-DF4F-4331-94E6D8A5480F}"/>
+              </a:ext>
+            </a:extLst>
+          </p:cNvPr>
+          <p:cNvSpPr>
+            <a:spLocks noGrp="1"/>
+          </p:cNvSpPr>
+          <p:nvPr>
+            <p:ph idx="1"/>
+          </p:nvPr>
+        </p:nvSpPr>
+        <p:spPr/>
+        <p:txBody>
+          <a:bodyPr/>
+          <a:lstStyle/>
+          <a:p>
+            <a:r>
+              <a:rPr lang="en-US" dirty="0"/>
+              <a:t>Where can I see the </a:t>
+            </a:r>
+            <a:r>
+              <a:rPr lang="en-US" dirty="0" err="1"/>
+              <a:t>connections:questions</a:t>
+            </a:r>
+            <a:endParaRPr lang="en-US" dirty="0"/>
+          </a:p>
+          <a:p>
+            <a:endParaRPr lang="en-US" dirty="0"/>
+          </a:p>
           <a:p>
             <a:endParaRPr lang="en-IN" dirty="0"/>
           </a:p>
@@ -2779,29 +3061,50 @@
       </p:sp>
       <p:sp>
         <p:nvSpPr>
-          <p:cNvPr id="3" name="Content Placeholder 2">
-            <a:extLst>
-              <a:ext uri="{FF2B5EF4-FFF2-40B4-BE49-F238E27FC236}">
-                <a16:creationId xmlns:a16="http://schemas.microsoft.com/office/drawing/2014/main" id="{A73CB4CC-8B97-3D3B-BBBC-99A24D3B7C4A}"/>
-              </a:ext>
-            </a:extLst>
-          </p:cNvPr>
-          <p:cNvSpPr>
-            <a:spLocks noGrp="1"/>
-          </p:cNvSpPr>
-          <p:nvPr>
-            <p:ph idx="4294967295"/>
-          </p:nvPr>
-        </p:nvSpPr>
-        <p:spPr>
-          <a:xfrm>
-            <a:off x="168676" y="1003178"/>
-            <a:ext cx="5797118" cy="5513032"/>
-          </a:xfrm>
-          <a:prstGeom prst="rect">
-            <a:avLst/>
-          </a:prstGeom>
-        </p:spPr>
+          <p:cNvPr id="4" name="Date Placeholder 3">
+            <a:extLst>
+              <a:ext uri="{FF2B5EF4-FFF2-40B4-BE49-F238E27FC236}">
+                <a16:creationId xmlns:a16="http://schemas.microsoft.com/office/drawing/2014/main" id="{2F2D74FA-A0B5-BE7D-CEA2-D82B8DACE3A0}"/>
+              </a:ext>
+            </a:extLst>
+          </p:cNvPr>
+          <p:cNvSpPr>
+            <a:spLocks noGrp="1"/>
+          </p:cNvSpPr>
+          <p:nvPr>
+            <p:ph type="dt" sz="half" idx="10"/>
+          </p:nvPr>
+        </p:nvSpPr>
+        <p:spPr/>
+        <p:txBody>
+          <a:bodyPr/>
+          <a:lstStyle/>
+          <a:p>
+            <a:fld id="{3297AE75-E625-42DE-9DA8-4AEE0E7A1CD4}" type="datetime1">
+              <a:rPr lang="en-IN" smtClean="0"/>
+              <a:t>10-05-2025</a:t>
+            </a:fld>
+            <a:endParaRPr lang="en-IN"/>
+          </a:p>
+        </p:txBody>
+      </p:sp>
+      <p:sp>
+        <p:nvSpPr>
+          <p:cNvPr id="5" name="Footer Placeholder 4">
+            <a:extLst>
+              <a:ext uri="{FF2B5EF4-FFF2-40B4-BE49-F238E27FC236}">
+                <a16:creationId xmlns:a16="http://schemas.microsoft.com/office/drawing/2014/main" id="{B717D86E-7660-809A-FFB0-B24E65E6D31F}"/>
+              </a:ext>
+            </a:extLst>
+          </p:cNvPr>
+          <p:cNvSpPr>
+            <a:spLocks noGrp="1"/>
+          </p:cNvSpPr>
+          <p:nvPr>
+            <p:ph type="ftr" sz="quarter" idx="11"/>
+          </p:nvPr>
+        </p:nvSpPr>
+        <p:spPr/>
         <p:txBody>
           <a:bodyPr/>
           <a:lstStyle/>
@@ -2812,97 +3115,10 @@
       </p:sp>
       <p:sp>
         <p:nvSpPr>
-          <p:cNvPr id="4" name="Content Placeholder 3">
-            <a:extLst>
-              <a:ext uri="{FF2B5EF4-FFF2-40B4-BE49-F238E27FC236}">
-                <a16:creationId xmlns:a16="http://schemas.microsoft.com/office/drawing/2014/main" id="{B97710C8-D140-D85F-2714-A3FC69E9C940}"/>
-              </a:ext>
-            </a:extLst>
-          </p:cNvPr>
-          <p:cNvSpPr>
-            <a:spLocks noGrp="1"/>
-          </p:cNvSpPr>
-          <p:nvPr>
-            <p:ph idx="4294967295"/>
-          </p:nvPr>
-        </p:nvSpPr>
-        <p:spPr>
-          <a:xfrm>
-            <a:off x="6205492" y="979843"/>
-            <a:ext cx="5797118" cy="5513032"/>
-          </a:xfrm>
-          <a:prstGeom prst="rect">
-            <a:avLst/>
-          </a:prstGeom>
-        </p:spPr>
-        <p:txBody>
-          <a:bodyPr/>
-          <a:lstStyle/>
-          <a:p>
-            <a:endParaRPr lang="en-IN"/>
-          </a:p>
-        </p:txBody>
-      </p:sp>
-      <p:sp>
-        <p:nvSpPr>
-          <p:cNvPr id="5" name="Date Placeholder 4">
-            <a:extLst>
-              <a:ext uri="{FF2B5EF4-FFF2-40B4-BE49-F238E27FC236}">
-                <a16:creationId xmlns:a16="http://schemas.microsoft.com/office/drawing/2014/main" id="{8DD66996-B23B-1BBA-BC1E-3CB37721E158}"/>
-              </a:ext>
-            </a:extLst>
-          </p:cNvPr>
-          <p:cNvSpPr>
-            <a:spLocks noGrp="1"/>
-          </p:cNvSpPr>
-          <p:nvPr>
-            <p:ph type="dt" sz="half" idx="10"/>
-          </p:nvPr>
-        </p:nvSpPr>
-        <p:spPr/>
-        <p:txBody>
-          <a:bodyPr/>
-          <a:lstStyle/>
-          <a:p>
-            <a:fld id="{3F55987F-C000-48D9-BC41-479E5A744022}" type="datetime1">
-              <a:rPr lang="en-IN" smtClean="0"/>
-              <a:t>09-05-2025</a:t>
-            </a:fld>
-            <a:endParaRPr lang="en-IN"/>
-          </a:p>
-        </p:txBody>
-      </p:sp>
-      <p:sp>
-        <p:nvSpPr>
-          <p:cNvPr id="6" name="Footer Placeholder 5">
-            <a:extLst>
-              <a:ext uri="{FF2B5EF4-FFF2-40B4-BE49-F238E27FC236}">
-                <a16:creationId xmlns:a16="http://schemas.microsoft.com/office/drawing/2014/main" id="{580A92CC-E2C6-A9C9-F8B6-6B0F940A1B0B}"/>
-              </a:ext>
-            </a:extLst>
-          </p:cNvPr>
-          <p:cNvSpPr>
-            <a:spLocks noGrp="1"/>
-          </p:cNvSpPr>
-          <p:nvPr>
-            <p:ph type="ftr" sz="quarter" idx="11"/>
-          </p:nvPr>
-        </p:nvSpPr>
-        <p:spPr/>
-        <p:txBody>
-          <a:bodyPr/>
-          <a:lstStyle/>
-          <a:p>
-            <a:endParaRPr lang="en-IN" dirty="0"/>
-          </a:p>
-        </p:txBody>
-      </p:sp>
-      <p:sp>
-        <p:nvSpPr>
-          <p:cNvPr id="7" name="Slide Number Placeholder 6">
-            <a:extLst>
-              <a:ext uri="{FF2B5EF4-FFF2-40B4-BE49-F238E27FC236}">
-                <a16:creationId xmlns:a16="http://schemas.microsoft.com/office/drawing/2014/main" id="{C2FF9FEF-831D-4770-D94D-70B598D35D90}"/>
+          <p:cNvPr id="6" name="Slide Number Placeholder 5">
+            <a:extLst>
+              <a:ext uri="{FF2B5EF4-FFF2-40B4-BE49-F238E27FC236}">
+                <a16:creationId xmlns:a16="http://schemas.microsoft.com/office/drawing/2014/main" id="{81DBAEC2-128A-6513-3B05-A6E432DA2420}"/>
               </a:ext>
             </a:extLst>
           </p:cNvPr>
@@ -2930,7 +3146,503 @@
     </p:spTree>
     <p:extLst>
       <p:ext uri="{BB962C8B-B14F-4D97-AF65-F5344CB8AC3E}">
-        <p14:creationId xmlns:p14="http://schemas.microsoft.com/office/powerpoint/2010/main" val="3468016954"/>
+        <p14:creationId xmlns:p14="http://schemas.microsoft.com/office/powerpoint/2010/main" val="3446791421"/>
+      </p:ext>
+    </p:extLst>
+  </p:cSld>
+  <p:clrMapOvr>
+    <a:masterClrMapping/>
+  </p:clrMapOvr>
+</p:sld>
+</file>
+
+<file path=ppt/slides/slide7.xml><?xml version="1.0" encoding="utf-8"?>
+<p:sld xmlns:a="http://schemas.openxmlformats.org/drawingml/2006/main" xmlns:r="http://schemas.openxmlformats.org/officeDocument/2006/relationships" xmlns:p="http://schemas.openxmlformats.org/presentationml/2006/main">
+  <p:cSld>
+    <p:spTree>
+      <p:nvGrpSpPr>
+        <p:cNvPr id="1" name=""/>
+        <p:cNvGrpSpPr/>
+        <p:nvPr/>
+      </p:nvGrpSpPr>
+      <p:grpSpPr>
+        <a:xfrm>
+          <a:off x="0" y="0"/>
+          <a:ext cx="0" cy="0"/>
+          <a:chOff x="0" y="0"/>
+          <a:chExt cx="0" cy="0"/>
+        </a:xfrm>
+      </p:grpSpPr>
+      <p:sp>
+        <p:nvSpPr>
+          <p:cNvPr id="2" name="Title 1">
+            <a:extLst>
+              <a:ext uri="{FF2B5EF4-FFF2-40B4-BE49-F238E27FC236}">
+                <a16:creationId xmlns:a16="http://schemas.microsoft.com/office/drawing/2014/main" id="{3D770129-6D50-EFD7-7104-7C0180132D3E}"/>
+              </a:ext>
+            </a:extLst>
+          </p:cNvPr>
+          <p:cNvSpPr>
+            <a:spLocks noGrp="1"/>
+          </p:cNvSpPr>
+          <p:nvPr>
+            <p:ph type="title"/>
+          </p:nvPr>
+        </p:nvSpPr>
+        <p:spPr/>
+        <p:txBody>
+          <a:bodyPr/>
+          <a:lstStyle/>
+          <a:p>
+            <a:endParaRPr lang="en-IN"/>
+          </a:p>
+        </p:txBody>
+      </p:sp>
+      <p:pic>
+        <p:nvPicPr>
+          <p:cNvPr id="8" name="Content Placeholder 7">
+            <a:extLst>
+              <a:ext uri="{FF2B5EF4-FFF2-40B4-BE49-F238E27FC236}">
+                <a16:creationId xmlns:a16="http://schemas.microsoft.com/office/drawing/2014/main" id="{3A7D2D1A-A9DB-698E-195B-1603A0CC561B}"/>
+              </a:ext>
+            </a:extLst>
+          </p:cNvPr>
+          <p:cNvPicPr>
+            <a:picLocks noGrp="1" noChangeAspect="1"/>
+          </p:cNvPicPr>
+          <p:nvPr>
+            <p:ph idx="1"/>
+          </p:nvPr>
+        </p:nvPicPr>
+        <p:blipFill>
+          <a:blip r:embed="rId2"/>
+          <a:stretch>
+            <a:fillRect/>
+          </a:stretch>
+        </p:blipFill>
+        <p:spPr>
+          <a:xfrm>
+            <a:off x="852356" y="1003300"/>
+            <a:ext cx="10466650" cy="5513388"/>
+          </a:xfrm>
+        </p:spPr>
+      </p:pic>
+      <p:sp>
+        <p:nvSpPr>
+          <p:cNvPr id="4" name="Date Placeholder 3">
+            <a:extLst>
+              <a:ext uri="{FF2B5EF4-FFF2-40B4-BE49-F238E27FC236}">
+                <a16:creationId xmlns:a16="http://schemas.microsoft.com/office/drawing/2014/main" id="{DD80C03D-A7A5-38ED-A000-2F25A6F98CD0}"/>
+              </a:ext>
+            </a:extLst>
+          </p:cNvPr>
+          <p:cNvSpPr>
+            <a:spLocks noGrp="1"/>
+          </p:cNvSpPr>
+          <p:nvPr>
+            <p:ph type="dt" sz="half" idx="10"/>
+          </p:nvPr>
+        </p:nvSpPr>
+        <p:spPr/>
+        <p:txBody>
+          <a:bodyPr/>
+          <a:lstStyle/>
+          <a:p>
+            <a:fld id="{3297AE75-E625-42DE-9DA8-4AEE0E7A1CD4}" type="datetime1">
+              <a:rPr lang="en-IN" smtClean="0"/>
+              <a:t>10-05-2025</a:t>
+            </a:fld>
+            <a:endParaRPr lang="en-IN"/>
+          </a:p>
+        </p:txBody>
+      </p:sp>
+      <p:sp>
+        <p:nvSpPr>
+          <p:cNvPr id="5" name="Footer Placeholder 4">
+            <a:extLst>
+              <a:ext uri="{FF2B5EF4-FFF2-40B4-BE49-F238E27FC236}">
+                <a16:creationId xmlns:a16="http://schemas.microsoft.com/office/drawing/2014/main" id="{5B054498-9406-CA27-67AF-4BECFB512F7A}"/>
+              </a:ext>
+            </a:extLst>
+          </p:cNvPr>
+          <p:cNvSpPr>
+            <a:spLocks noGrp="1"/>
+          </p:cNvSpPr>
+          <p:nvPr>
+            <p:ph type="ftr" sz="quarter" idx="11"/>
+          </p:nvPr>
+        </p:nvSpPr>
+        <p:spPr/>
+        <p:txBody>
+          <a:bodyPr/>
+          <a:lstStyle/>
+          <a:p>
+            <a:endParaRPr lang="en-IN" dirty="0"/>
+          </a:p>
+        </p:txBody>
+      </p:sp>
+      <p:sp>
+        <p:nvSpPr>
+          <p:cNvPr id="6" name="Slide Number Placeholder 5">
+            <a:extLst>
+              <a:ext uri="{FF2B5EF4-FFF2-40B4-BE49-F238E27FC236}">
+                <a16:creationId xmlns:a16="http://schemas.microsoft.com/office/drawing/2014/main" id="{24295ABC-3AC8-4AB8-2D20-F85364A3FDCA}"/>
+              </a:ext>
+            </a:extLst>
+          </p:cNvPr>
+          <p:cNvSpPr>
+            <a:spLocks noGrp="1"/>
+          </p:cNvSpPr>
+          <p:nvPr>
+            <p:ph type="sldNum" sz="quarter" idx="12"/>
+          </p:nvPr>
+        </p:nvSpPr>
+        <p:spPr/>
+        <p:txBody>
+          <a:bodyPr/>
+          <a:lstStyle/>
+          <a:p>
+            <a:fld id="{13A461B8-F6BF-454F-A8F0-4D542954770C}" type="slidenum">
+              <a:rPr lang="en-IN" smtClean="0"/>
+              <a:pPr/>
+              <a:t>7</a:t>
+            </a:fld>
+            <a:endParaRPr lang="en-IN"/>
+          </a:p>
+        </p:txBody>
+      </p:sp>
+    </p:spTree>
+    <p:extLst>
+      <p:ext uri="{BB962C8B-B14F-4D97-AF65-F5344CB8AC3E}">
+        <p14:creationId xmlns:p14="http://schemas.microsoft.com/office/powerpoint/2010/main" val="448452374"/>
+      </p:ext>
+    </p:extLst>
+  </p:cSld>
+  <p:clrMapOvr>
+    <a:masterClrMapping/>
+  </p:clrMapOvr>
+</p:sld>
+</file>
+
+<file path=ppt/slides/slide8.xml><?xml version="1.0" encoding="utf-8"?>
+<p:sld xmlns:a="http://schemas.openxmlformats.org/drawingml/2006/main" xmlns:r="http://schemas.openxmlformats.org/officeDocument/2006/relationships" xmlns:p="http://schemas.openxmlformats.org/presentationml/2006/main">
+  <p:cSld>
+    <p:spTree>
+      <p:nvGrpSpPr>
+        <p:cNvPr id="1" name=""/>
+        <p:cNvGrpSpPr/>
+        <p:nvPr/>
+      </p:nvGrpSpPr>
+      <p:grpSpPr>
+        <a:xfrm>
+          <a:off x="0" y="0"/>
+          <a:ext cx="0" cy="0"/>
+          <a:chOff x="0" y="0"/>
+          <a:chExt cx="0" cy="0"/>
+        </a:xfrm>
+      </p:grpSpPr>
+      <p:sp>
+        <p:nvSpPr>
+          <p:cNvPr id="2" name="Title 1">
+            <a:extLst>
+              <a:ext uri="{FF2B5EF4-FFF2-40B4-BE49-F238E27FC236}">
+                <a16:creationId xmlns:a16="http://schemas.microsoft.com/office/drawing/2014/main" id="{013F2F86-A356-526D-FBCC-91E9CCF05EE7}"/>
+              </a:ext>
+            </a:extLst>
+          </p:cNvPr>
+          <p:cNvSpPr>
+            <a:spLocks noGrp="1"/>
+          </p:cNvSpPr>
+          <p:nvPr>
+            <p:ph type="title"/>
+          </p:nvPr>
+        </p:nvSpPr>
+        <p:spPr/>
+        <p:txBody>
+          <a:bodyPr/>
+          <a:lstStyle/>
+          <a:p>
+            <a:endParaRPr lang="en-IN"/>
+          </a:p>
+        </p:txBody>
+      </p:sp>
+      <p:sp>
+        <p:nvSpPr>
+          <p:cNvPr id="3" name="Content Placeholder 2">
+            <a:extLst>
+              <a:ext uri="{FF2B5EF4-FFF2-40B4-BE49-F238E27FC236}">
+                <a16:creationId xmlns:a16="http://schemas.microsoft.com/office/drawing/2014/main" id="{88878E00-A5D9-BC40-14A3-4D907C7EF136}"/>
+              </a:ext>
+            </a:extLst>
+          </p:cNvPr>
+          <p:cNvSpPr>
+            <a:spLocks noGrp="1"/>
+          </p:cNvSpPr>
+          <p:nvPr>
+            <p:ph idx="1"/>
+          </p:nvPr>
+        </p:nvSpPr>
+        <p:spPr/>
+        <p:txBody>
+          <a:bodyPr/>
+          <a:lstStyle/>
+          <a:p>
+            <a:endParaRPr lang="en-IN"/>
+          </a:p>
+        </p:txBody>
+      </p:sp>
+      <p:sp>
+        <p:nvSpPr>
+          <p:cNvPr id="4" name="Date Placeholder 3">
+            <a:extLst>
+              <a:ext uri="{FF2B5EF4-FFF2-40B4-BE49-F238E27FC236}">
+                <a16:creationId xmlns:a16="http://schemas.microsoft.com/office/drawing/2014/main" id="{5CC70D1A-EBC1-6C08-ED69-2B704F87B120}"/>
+              </a:ext>
+            </a:extLst>
+          </p:cNvPr>
+          <p:cNvSpPr>
+            <a:spLocks noGrp="1"/>
+          </p:cNvSpPr>
+          <p:nvPr>
+            <p:ph type="dt" sz="half" idx="10"/>
+          </p:nvPr>
+        </p:nvSpPr>
+        <p:spPr/>
+        <p:txBody>
+          <a:bodyPr/>
+          <a:lstStyle/>
+          <a:p>
+            <a:fld id="{3297AE75-E625-42DE-9DA8-4AEE0E7A1CD4}" type="datetime1">
+              <a:rPr lang="en-IN" smtClean="0"/>
+              <a:t>10-05-2025</a:t>
+            </a:fld>
+            <a:endParaRPr lang="en-IN"/>
+          </a:p>
+        </p:txBody>
+      </p:sp>
+      <p:sp>
+        <p:nvSpPr>
+          <p:cNvPr id="5" name="Footer Placeholder 4">
+            <a:extLst>
+              <a:ext uri="{FF2B5EF4-FFF2-40B4-BE49-F238E27FC236}">
+                <a16:creationId xmlns:a16="http://schemas.microsoft.com/office/drawing/2014/main" id="{81F53556-59D1-B661-86B1-78B5786FCC55}"/>
+              </a:ext>
+            </a:extLst>
+          </p:cNvPr>
+          <p:cNvSpPr>
+            <a:spLocks noGrp="1"/>
+          </p:cNvSpPr>
+          <p:nvPr>
+            <p:ph type="ftr" sz="quarter" idx="11"/>
+          </p:nvPr>
+        </p:nvSpPr>
+        <p:spPr/>
+        <p:txBody>
+          <a:bodyPr/>
+          <a:lstStyle/>
+          <a:p>
+            <a:endParaRPr lang="en-IN" dirty="0"/>
+          </a:p>
+        </p:txBody>
+      </p:sp>
+      <p:sp>
+        <p:nvSpPr>
+          <p:cNvPr id="6" name="Slide Number Placeholder 5">
+            <a:extLst>
+              <a:ext uri="{FF2B5EF4-FFF2-40B4-BE49-F238E27FC236}">
+                <a16:creationId xmlns:a16="http://schemas.microsoft.com/office/drawing/2014/main" id="{F2C96B03-C38D-F2E1-8DE0-667A0BFF4A14}"/>
+              </a:ext>
+            </a:extLst>
+          </p:cNvPr>
+          <p:cNvSpPr>
+            <a:spLocks noGrp="1"/>
+          </p:cNvSpPr>
+          <p:nvPr>
+            <p:ph type="sldNum" sz="quarter" idx="12"/>
+          </p:nvPr>
+        </p:nvSpPr>
+        <p:spPr/>
+        <p:txBody>
+          <a:bodyPr/>
+          <a:lstStyle/>
+          <a:p>
+            <a:fld id="{13A461B8-F6BF-454F-A8F0-4D542954770C}" type="slidenum">
+              <a:rPr lang="en-IN" smtClean="0"/>
+              <a:pPr/>
+              <a:t>8</a:t>
+            </a:fld>
+            <a:endParaRPr lang="en-IN"/>
+          </a:p>
+        </p:txBody>
+      </p:sp>
+    </p:spTree>
+    <p:extLst>
+      <p:ext uri="{BB962C8B-B14F-4D97-AF65-F5344CB8AC3E}">
+        <p14:creationId xmlns:p14="http://schemas.microsoft.com/office/powerpoint/2010/main" val="3339384002"/>
+      </p:ext>
+    </p:extLst>
+  </p:cSld>
+  <p:clrMapOvr>
+    <a:masterClrMapping/>
+  </p:clrMapOvr>
+</p:sld>
+</file>
+
+<file path=ppt/slides/slide9.xml><?xml version="1.0" encoding="utf-8"?>
+<p:sld xmlns:a="http://schemas.openxmlformats.org/drawingml/2006/main" xmlns:r="http://schemas.openxmlformats.org/officeDocument/2006/relationships" xmlns:p="http://schemas.openxmlformats.org/presentationml/2006/main">
+  <p:cSld>
+    <p:spTree>
+      <p:nvGrpSpPr>
+        <p:cNvPr id="1" name=""/>
+        <p:cNvGrpSpPr/>
+        <p:nvPr/>
+      </p:nvGrpSpPr>
+      <p:grpSpPr>
+        <a:xfrm>
+          <a:off x="0" y="0"/>
+          <a:ext cx="0" cy="0"/>
+          <a:chOff x="0" y="0"/>
+          <a:chExt cx="0" cy="0"/>
+        </a:xfrm>
+      </p:grpSpPr>
+      <p:sp>
+        <p:nvSpPr>
+          <p:cNvPr id="2" name="Title 1">
+            <a:extLst>
+              <a:ext uri="{FF2B5EF4-FFF2-40B4-BE49-F238E27FC236}">
+                <a16:creationId xmlns:a16="http://schemas.microsoft.com/office/drawing/2014/main" id="{0CE67C02-E394-B9E2-CF4C-17325C25C450}"/>
+              </a:ext>
+            </a:extLst>
+          </p:cNvPr>
+          <p:cNvSpPr>
+            <a:spLocks noGrp="1"/>
+          </p:cNvSpPr>
+          <p:nvPr>
+            <p:ph type="title"/>
+          </p:nvPr>
+        </p:nvSpPr>
+        <p:spPr/>
+        <p:txBody>
+          <a:bodyPr/>
+          <a:lstStyle/>
+          <a:p>
+            <a:endParaRPr lang="en-IN"/>
+          </a:p>
+        </p:txBody>
+      </p:sp>
+      <p:sp>
+        <p:nvSpPr>
+          <p:cNvPr id="3" name="Content Placeholder 2">
+            <a:extLst>
+              <a:ext uri="{FF2B5EF4-FFF2-40B4-BE49-F238E27FC236}">
+                <a16:creationId xmlns:a16="http://schemas.microsoft.com/office/drawing/2014/main" id="{D9977022-01C1-570F-444B-6346C6D36E01}"/>
+              </a:ext>
+            </a:extLst>
+          </p:cNvPr>
+          <p:cNvSpPr>
+            <a:spLocks noGrp="1"/>
+          </p:cNvSpPr>
+          <p:nvPr>
+            <p:ph idx="1"/>
+          </p:nvPr>
+        </p:nvSpPr>
+        <p:spPr/>
+        <p:txBody>
+          <a:bodyPr/>
+          <a:lstStyle/>
+          <a:p>
+            <a:endParaRPr lang="en-IN"/>
+          </a:p>
+        </p:txBody>
+      </p:sp>
+      <p:sp>
+        <p:nvSpPr>
+          <p:cNvPr id="4" name="Date Placeholder 3">
+            <a:extLst>
+              <a:ext uri="{FF2B5EF4-FFF2-40B4-BE49-F238E27FC236}">
+                <a16:creationId xmlns:a16="http://schemas.microsoft.com/office/drawing/2014/main" id="{4F830F14-53C8-B038-FCC3-0D8E07856F58}"/>
+              </a:ext>
+            </a:extLst>
+          </p:cNvPr>
+          <p:cNvSpPr>
+            <a:spLocks noGrp="1"/>
+          </p:cNvSpPr>
+          <p:nvPr>
+            <p:ph type="dt" sz="half" idx="10"/>
+          </p:nvPr>
+        </p:nvSpPr>
+        <p:spPr/>
+        <p:txBody>
+          <a:bodyPr/>
+          <a:lstStyle/>
+          <a:p>
+            <a:fld id="{3297AE75-E625-42DE-9DA8-4AEE0E7A1CD4}" type="datetime1">
+              <a:rPr lang="en-IN" smtClean="0"/>
+              <a:t>10-05-2025</a:t>
+            </a:fld>
+            <a:endParaRPr lang="en-IN"/>
+          </a:p>
+        </p:txBody>
+      </p:sp>
+      <p:sp>
+        <p:nvSpPr>
+          <p:cNvPr id="5" name="Footer Placeholder 4">
+            <a:extLst>
+              <a:ext uri="{FF2B5EF4-FFF2-40B4-BE49-F238E27FC236}">
+                <a16:creationId xmlns:a16="http://schemas.microsoft.com/office/drawing/2014/main" id="{9BD0C624-8B12-2062-607C-20A71EDCB920}"/>
+              </a:ext>
+            </a:extLst>
+          </p:cNvPr>
+          <p:cNvSpPr>
+            <a:spLocks noGrp="1"/>
+          </p:cNvSpPr>
+          <p:nvPr>
+            <p:ph type="ftr" sz="quarter" idx="11"/>
+          </p:nvPr>
+        </p:nvSpPr>
+        <p:spPr/>
+        <p:txBody>
+          <a:bodyPr/>
+          <a:lstStyle/>
+          <a:p>
+            <a:endParaRPr lang="en-IN" dirty="0"/>
+          </a:p>
+        </p:txBody>
+      </p:sp>
+      <p:sp>
+        <p:nvSpPr>
+          <p:cNvPr id="6" name="Slide Number Placeholder 5">
+            <a:extLst>
+              <a:ext uri="{FF2B5EF4-FFF2-40B4-BE49-F238E27FC236}">
+                <a16:creationId xmlns:a16="http://schemas.microsoft.com/office/drawing/2014/main" id="{AA3929C7-EDC0-48AD-4C1F-C5C452BF8136}"/>
+              </a:ext>
+            </a:extLst>
+          </p:cNvPr>
+          <p:cNvSpPr>
+            <a:spLocks noGrp="1"/>
+          </p:cNvSpPr>
+          <p:nvPr>
+            <p:ph type="sldNum" sz="quarter" idx="12"/>
+          </p:nvPr>
+        </p:nvSpPr>
+        <p:spPr/>
+        <p:txBody>
+          <a:bodyPr/>
+          <a:lstStyle/>
+          <a:p>
+            <a:fld id="{13A461B8-F6BF-454F-A8F0-4D542954770C}" type="slidenum">
+              <a:rPr lang="en-IN" smtClean="0"/>
+              <a:pPr/>
+              <a:t>9</a:t>
+            </a:fld>
+            <a:endParaRPr lang="en-IN"/>
+          </a:p>
+        </p:txBody>
+      </p:sp>
+    </p:spTree>
+    <p:extLst>
+      <p:ext uri="{BB962C8B-B14F-4D97-AF65-F5344CB8AC3E}">
+        <p14:creationId xmlns:p14="http://schemas.microsoft.com/office/powerpoint/2010/main" val="730935386"/>
       </p:ext>
     </p:extLst>
   </p:cSld>
